--- a/graduation_thesis/BIT-thesis-template-grd/figures/c2/pictures.pptx
+++ b/graduation_thesis/BIT-thesis-template-grd/figures/c2/pictures.pptx
@@ -199,7 +199,7 @@
           <a:p>
             <a:fld id="{DFBD2350-0FC1-4CC8-9189-4554209681B9}" type="datetimeFigureOut">
               <a:rPr lang="zh-CN" altLang="en-US" smtClean="0"/>
-              <a:t>2020/3/13</a:t>
+              <a:t>2020/3/19</a:t>
             </a:fld>
             <a:endParaRPr lang="zh-CN" altLang="en-US"/>
           </a:p>
@@ -700,7 +700,7 @@
           <a:p>
             <a:fld id="{259E3DFB-078C-4AE7-9CA8-4F08B7C23DED}" type="datetimeFigureOut">
               <a:rPr lang="zh-CN" altLang="en-US" smtClean="0"/>
-              <a:t>2020/3/13</a:t>
+              <a:t>2020/3/19</a:t>
             </a:fld>
             <a:endParaRPr lang="zh-CN" altLang="en-US"/>
           </a:p>
@@ -898,7 +898,7 @@
           <a:p>
             <a:fld id="{259E3DFB-078C-4AE7-9CA8-4F08B7C23DED}" type="datetimeFigureOut">
               <a:rPr lang="zh-CN" altLang="en-US" smtClean="0"/>
-              <a:t>2020/3/13</a:t>
+              <a:t>2020/3/19</a:t>
             </a:fld>
             <a:endParaRPr lang="zh-CN" altLang="en-US"/>
           </a:p>
@@ -1106,7 +1106,7 @@
           <a:p>
             <a:fld id="{259E3DFB-078C-4AE7-9CA8-4F08B7C23DED}" type="datetimeFigureOut">
               <a:rPr lang="zh-CN" altLang="en-US" smtClean="0"/>
-              <a:t>2020/3/13</a:t>
+              <a:t>2020/3/19</a:t>
             </a:fld>
             <a:endParaRPr lang="zh-CN" altLang="en-US"/>
           </a:p>
@@ -1304,7 +1304,7 @@
           <a:p>
             <a:fld id="{259E3DFB-078C-4AE7-9CA8-4F08B7C23DED}" type="datetimeFigureOut">
               <a:rPr lang="zh-CN" altLang="en-US" smtClean="0"/>
-              <a:t>2020/3/13</a:t>
+              <a:t>2020/3/19</a:t>
             </a:fld>
             <a:endParaRPr lang="zh-CN" altLang="en-US"/>
           </a:p>
@@ -1579,7 +1579,7 @@
           <a:p>
             <a:fld id="{259E3DFB-078C-4AE7-9CA8-4F08B7C23DED}" type="datetimeFigureOut">
               <a:rPr lang="zh-CN" altLang="en-US" smtClean="0"/>
-              <a:t>2020/3/13</a:t>
+              <a:t>2020/3/19</a:t>
             </a:fld>
             <a:endParaRPr lang="zh-CN" altLang="en-US"/>
           </a:p>
@@ -1844,7 +1844,7 @@
           <a:p>
             <a:fld id="{259E3DFB-078C-4AE7-9CA8-4F08B7C23DED}" type="datetimeFigureOut">
               <a:rPr lang="zh-CN" altLang="en-US" smtClean="0"/>
-              <a:t>2020/3/13</a:t>
+              <a:t>2020/3/19</a:t>
             </a:fld>
             <a:endParaRPr lang="zh-CN" altLang="en-US"/>
           </a:p>
@@ -2256,7 +2256,7 @@
           <a:p>
             <a:fld id="{259E3DFB-078C-4AE7-9CA8-4F08B7C23DED}" type="datetimeFigureOut">
               <a:rPr lang="zh-CN" altLang="en-US" smtClean="0"/>
-              <a:t>2020/3/13</a:t>
+              <a:t>2020/3/19</a:t>
             </a:fld>
             <a:endParaRPr lang="zh-CN" altLang="en-US"/>
           </a:p>
@@ -2397,7 +2397,7 @@
           <a:p>
             <a:fld id="{259E3DFB-078C-4AE7-9CA8-4F08B7C23DED}" type="datetimeFigureOut">
               <a:rPr lang="zh-CN" altLang="en-US" smtClean="0"/>
-              <a:t>2020/3/13</a:t>
+              <a:t>2020/3/19</a:t>
             </a:fld>
             <a:endParaRPr lang="zh-CN" altLang="en-US"/>
           </a:p>
@@ -2510,7 +2510,7 @@
           <a:p>
             <a:fld id="{259E3DFB-078C-4AE7-9CA8-4F08B7C23DED}" type="datetimeFigureOut">
               <a:rPr lang="zh-CN" altLang="en-US" smtClean="0"/>
-              <a:t>2020/3/13</a:t>
+              <a:t>2020/3/19</a:t>
             </a:fld>
             <a:endParaRPr lang="zh-CN" altLang="en-US"/>
           </a:p>
@@ -2821,7 +2821,7 @@
           <a:p>
             <a:fld id="{259E3DFB-078C-4AE7-9CA8-4F08B7C23DED}" type="datetimeFigureOut">
               <a:rPr lang="zh-CN" altLang="en-US" smtClean="0"/>
-              <a:t>2020/3/13</a:t>
+              <a:t>2020/3/19</a:t>
             </a:fld>
             <a:endParaRPr lang="zh-CN" altLang="en-US"/>
           </a:p>
@@ -3109,7 +3109,7 @@
           <a:p>
             <a:fld id="{259E3DFB-078C-4AE7-9CA8-4F08B7C23DED}" type="datetimeFigureOut">
               <a:rPr lang="zh-CN" altLang="en-US" smtClean="0"/>
-              <a:t>2020/3/13</a:t>
+              <a:t>2020/3/19</a:t>
             </a:fld>
             <a:endParaRPr lang="zh-CN" altLang="en-US"/>
           </a:p>
@@ -3350,7 +3350,7 @@
           <a:p>
             <a:fld id="{259E3DFB-078C-4AE7-9CA8-4F08B7C23DED}" type="datetimeFigureOut">
               <a:rPr lang="zh-CN" altLang="en-US" smtClean="0"/>
-              <a:t>2020/3/13</a:t>
+              <a:t>2020/3/19</a:t>
             </a:fld>
             <a:endParaRPr lang="zh-CN" altLang="en-US"/>
           </a:p>
@@ -4410,7 +4410,7 @@
           <a:graphicData uri="http://schemas.openxmlformats.org/presentationml/2006/ole">
             <mc:AlternateContent xmlns:mc="http://schemas.openxmlformats.org/markup-compatibility/2006">
               <mc:Choice xmlns:v="urn:schemas-microsoft-com:vml" Requires="v">
-                <p:oleObj spid="_x0000_s3527" name="Equation" r:id="rId5" imgW="241200" imgH="203040" progId="Equation.DSMT4">
+                <p:oleObj spid="_x0000_s3555" name="Equation" r:id="rId5" imgW="241200" imgH="203040" progId="Equation.DSMT4">
                   <p:embed/>
                 </p:oleObj>
               </mc:Choice>
@@ -4473,7 +4473,7 @@
           <a:graphicData uri="http://schemas.openxmlformats.org/presentationml/2006/ole">
             <mc:AlternateContent xmlns:mc="http://schemas.openxmlformats.org/markup-compatibility/2006">
               <mc:Choice xmlns:v="urn:schemas-microsoft-com:vml" Requires="v">
-                <p:oleObj spid="_x0000_s3528" name="Equation" r:id="rId7" imgW="228600" imgH="190440" progId="Equation.DSMT4">
+                <p:oleObj spid="_x0000_s3556" name="Equation" r:id="rId7" imgW="228600" imgH="190440" progId="Equation.DSMT4">
                   <p:embed/>
                 </p:oleObj>
               </mc:Choice>
@@ -4661,7 +4661,7 @@
           <a:graphicData uri="http://schemas.openxmlformats.org/presentationml/2006/ole">
             <mc:AlternateContent xmlns:mc="http://schemas.openxmlformats.org/markup-compatibility/2006">
               <mc:Choice xmlns:v="urn:schemas-microsoft-com:vml" Requires="v">
-                <p:oleObj spid="_x0000_s3529" name="Equation" r:id="rId9" imgW="444240" imgH="177480" progId="Equation.DSMT4">
+                <p:oleObj spid="_x0000_s3557" name="Equation" r:id="rId9" imgW="444240" imgH="177480" progId="Equation.DSMT4">
                   <p:embed/>
                 </p:oleObj>
               </mc:Choice>
@@ -4724,7 +4724,7 @@
           <a:graphicData uri="http://schemas.openxmlformats.org/presentationml/2006/ole">
             <mc:AlternateContent xmlns:mc="http://schemas.openxmlformats.org/markup-compatibility/2006">
               <mc:Choice xmlns:v="urn:schemas-microsoft-com:vml" Requires="v">
-                <p:oleObj spid="_x0000_s3530" name="Equation" r:id="rId11" imgW="596880" imgH="203040" progId="Equation.DSMT4">
+                <p:oleObj spid="_x0000_s3558" name="Equation" r:id="rId11" imgW="596880" imgH="203040" progId="Equation.DSMT4">
                   <p:embed/>
                 </p:oleObj>
               </mc:Choice>
@@ -5045,7 +5045,7 @@
           <a:graphicData uri="http://schemas.openxmlformats.org/presentationml/2006/ole">
             <mc:AlternateContent xmlns:mc="http://schemas.openxmlformats.org/markup-compatibility/2006">
               <mc:Choice xmlns:v="urn:schemas-microsoft-com:vml" Requires="v">
-                <p:oleObj spid="_x0000_s3531" name="Equation" r:id="rId13" imgW="1155600" imgH="203040" progId="Equation.DSMT4">
+                <p:oleObj spid="_x0000_s3559" name="Equation" r:id="rId13" imgW="1155600" imgH="203040" progId="Equation.DSMT4">
                   <p:embed/>
                 </p:oleObj>
               </mc:Choice>
@@ -5108,7 +5108,7 @@
           <a:graphicData uri="http://schemas.openxmlformats.org/presentationml/2006/ole">
             <mc:AlternateContent xmlns:mc="http://schemas.openxmlformats.org/markup-compatibility/2006">
               <mc:Choice xmlns:v="urn:schemas-microsoft-com:vml" Requires="v">
-                <p:oleObj spid="_x0000_s3532" name="Equation" r:id="rId15" imgW="203040" imgH="203040" progId="Equation.DSMT4">
+                <p:oleObj spid="_x0000_s3560" name="Equation" r:id="rId15" imgW="203040" imgH="203040" progId="Equation.DSMT4">
                   <p:embed/>
                 </p:oleObj>
               </mc:Choice>
@@ -5171,7 +5171,7 @@
           <a:graphicData uri="http://schemas.openxmlformats.org/presentationml/2006/ole">
             <mc:AlternateContent xmlns:mc="http://schemas.openxmlformats.org/markup-compatibility/2006">
               <mc:Choice xmlns:v="urn:schemas-microsoft-com:vml" Requires="v">
-                <p:oleObj spid="_x0000_s3533" name="Equation" r:id="rId17" imgW="190440" imgH="190440" progId="Equation.DSMT4">
+                <p:oleObj spid="_x0000_s3561" name="Equation" r:id="rId17" imgW="190440" imgH="190440" progId="Equation.DSMT4">
                   <p:embed/>
                 </p:oleObj>
               </mc:Choice>
@@ -5234,7 +5234,7 @@
           <a:graphicData uri="http://schemas.openxmlformats.org/presentationml/2006/ole">
             <mc:AlternateContent xmlns:mc="http://schemas.openxmlformats.org/markup-compatibility/2006">
               <mc:Choice xmlns:v="urn:schemas-microsoft-com:vml" Requires="v">
-                <p:oleObj spid="_x0000_s3534" name="Equation" r:id="rId19" imgW="291960" imgH="241200" progId="Equation.DSMT4">
+                <p:oleObj spid="_x0000_s3562" name="Equation" r:id="rId19" imgW="291960" imgH="241200" progId="Equation.DSMT4">
                   <p:embed/>
                 </p:oleObj>
               </mc:Choice>
@@ -5297,7 +5297,7 @@
           <a:graphicData uri="http://schemas.openxmlformats.org/presentationml/2006/ole">
             <mc:AlternateContent xmlns:mc="http://schemas.openxmlformats.org/markup-compatibility/2006">
               <mc:Choice xmlns:v="urn:schemas-microsoft-com:vml" Requires="v">
-                <p:oleObj spid="_x0000_s3535" name="Equation" r:id="rId21" imgW="291960" imgH="241200" progId="Equation.DSMT4">
+                <p:oleObj spid="_x0000_s3563" name="Equation" r:id="rId21" imgW="291960" imgH="241200" progId="Equation.DSMT4">
                   <p:embed/>
                 </p:oleObj>
               </mc:Choice>
@@ -5360,7 +5360,7 @@
           <a:graphicData uri="http://schemas.openxmlformats.org/presentationml/2006/ole">
             <mc:AlternateContent xmlns:mc="http://schemas.openxmlformats.org/markup-compatibility/2006">
               <mc:Choice xmlns:v="urn:schemas-microsoft-com:vml" Requires="v">
-                <p:oleObj spid="_x0000_s3536" name="Equation" r:id="rId23" imgW="266400" imgH="241200" progId="Equation.DSMT4">
+                <p:oleObj spid="_x0000_s3564" name="Equation" r:id="rId23" imgW="266400" imgH="241200" progId="Equation.DSMT4">
                   <p:embed/>
                 </p:oleObj>
               </mc:Choice>
@@ -5423,7 +5423,7 @@
           <a:graphicData uri="http://schemas.openxmlformats.org/presentationml/2006/ole">
             <mc:AlternateContent xmlns:mc="http://schemas.openxmlformats.org/markup-compatibility/2006">
               <mc:Choice xmlns:v="urn:schemas-microsoft-com:vml" Requires="v">
-                <p:oleObj spid="_x0000_s3537" name="Equation" r:id="rId25" imgW="266400" imgH="241200" progId="Equation.DSMT4">
+                <p:oleObj spid="_x0000_s3565" name="Equation" r:id="rId25" imgW="266400" imgH="241200" progId="Equation.DSMT4">
                   <p:embed/>
                 </p:oleObj>
               </mc:Choice>
@@ -5486,7 +5486,7 @@
           <a:graphicData uri="http://schemas.openxmlformats.org/presentationml/2006/ole">
             <mc:AlternateContent xmlns:mc="http://schemas.openxmlformats.org/markup-compatibility/2006">
               <mc:Choice xmlns:v="urn:schemas-microsoft-com:vml" Requires="v">
-                <p:oleObj spid="_x0000_s3538" name="Equation" r:id="rId27" imgW="215640" imgH="241200" progId="Equation.DSMT4">
+                <p:oleObj spid="_x0000_s3566" name="Equation" r:id="rId27" imgW="215640" imgH="241200" progId="Equation.DSMT4">
                   <p:embed/>
                 </p:oleObj>
               </mc:Choice>
@@ -5549,7 +5549,7 @@
           <a:graphicData uri="http://schemas.openxmlformats.org/presentationml/2006/ole">
             <mc:AlternateContent xmlns:mc="http://schemas.openxmlformats.org/markup-compatibility/2006">
               <mc:Choice xmlns:v="urn:schemas-microsoft-com:vml" Requires="v">
-                <p:oleObj spid="_x0000_s3539" name="Equation" r:id="rId29" imgW="215640" imgH="241200" progId="Equation.DSMT4">
+                <p:oleObj spid="_x0000_s3567" name="Equation" r:id="rId29" imgW="215640" imgH="241200" progId="Equation.DSMT4">
                   <p:embed/>
                 </p:oleObj>
               </mc:Choice>
@@ -5699,7 +5699,7 @@
           <a:graphicData uri="http://schemas.openxmlformats.org/presentationml/2006/ole">
             <mc:AlternateContent xmlns:mc="http://schemas.openxmlformats.org/markup-compatibility/2006">
               <mc:Choice xmlns:v="urn:schemas-microsoft-com:vml" Requires="v">
-                <p:oleObj spid="_x0000_s3540" name="Equation" r:id="rId31" imgW="215640" imgH="253800" progId="Equation.DSMT4">
+                <p:oleObj spid="_x0000_s3568" name="Equation" r:id="rId31" imgW="215640" imgH="253800" progId="Equation.DSMT4">
                   <p:embed/>
                 </p:oleObj>
               </mc:Choice>
@@ -5807,7 +5807,7 @@
           <a:graphicData uri="http://schemas.openxmlformats.org/presentationml/2006/ole">
             <mc:AlternateContent xmlns:mc="http://schemas.openxmlformats.org/markup-compatibility/2006">
               <mc:Choice xmlns:v="urn:schemas-microsoft-com:vml" Requires="v">
-                <p:oleObj spid="_x0000_s3541" name="Equation" r:id="rId33" imgW="304560" imgH="241200" progId="Equation.DSMT4">
+                <p:oleObj spid="_x0000_s3569" name="Equation" r:id="rId33" imgW="304560" imgH="241200" progId="Equation.DSMT4">
                   <p:embed/>
                 </p:oleObj>
               </mc:Choice>
@@ -6133,7 +6133,7 @@
           <a:graphicData uri="http://schemas.openxmlformats.org/presentationml/2006/ole">
             <mc:AlternateContent xmlns:mc="http://schemas.openxmlformats.org/markup-compatibility/2006">
               <mc:Choice xmlns:v="urn:schemas-microsoft-com:vml" Requires="v">
-                <p:oleObj spid="_x0000_s3542" name="Equation" r:id="rId35" imgW="177480" imgH="241200" progId="Equation.DSMT4">
+                <p:oleObj spid="_x0000_s3570" name="Equation" r:id="rId35" imgW="177480" imgH="241200" progId="Equation.DSMT4">
                   <p:embed/>
                 </p:oleObj>
               </mc:Choice>
@@ -6718,7 +6718,7 @@
           <a:graphicData uri="http://schemas.openxmlformats.org/presentationml/2006/ole">
             <mc:AlternateContent xmlns:mc="http://schemas.openxmlformats.org/markup-compatibility/2006">
               <mc:Choice xmlns:v="urn:schemas-microsoft-com:vml" Requires="v">
-                <p:oleObj spid="_x0000_s3543" name="Equation" r:id="rId37" imgW="1015920" imgH="190440" progId="Equation.DSMT4">
+                <p:oleObj spid="_x0000_s3571" name="Equation" r:id="rId37" imgW="1015920" imgH="190440" progId="Equation.DSMT4">
                   <p:embed/>
                 </p:oleObj>
               </mc:Choice>
@@ -6781,7 +6781,7 @@
           <a:graphicData uri="http://schemas.openxmlformats.org/presentationml/2006/ole">
             <mc:AlternateContent xmlns:mc="http://schemas.openxmlformats.org/markup-compatibility/2006">
               <mc:Choice xmlns:v="urn:schemas-microsoft-com:vml" Requires="v">
-                <p:oleObj spid="_x0000_s3544" name="Equation" r:id="rId39" imgW="533160" imgH="253800" progId="Equation.DSMT4">
+                <p:oleObj spid="_x0000_s3572" name="Equation" r:id="rId39" imgW="533160" imgH="253800" progId="Equation.DSMT4">
                   <p:embed/>
                 </p:oleObj>
               </mc:Choice>
@@ -6844,7 +6844,7 @@
           <a:graphicData uri="http://schemas.openxmlformats.org/presentationml/2006/ole">
             <mc:AlternateContent xmlns:mc="http://schemas.openxmlformats.org/markup-compatibility/2006">
               <mc:Choice xmlns:v="urn:schemas-microsoft-com:vml" Requires="v">
-                <p:oleObj spid="_x0000_s3545" name="Equation" r:id="rId41" imgW="660240" imgH="253800" progId="Equation.DSMT4">
+                <p:oleObj spid="_x0000_s3573" name="Equation" r:id="rId41" imgW="660240" imgH="253800" progId="Equation.DSMT4">
                   <p:embed/>
                 </p:oleObj>
               </mc:Choice>
@@ -6907,7 +6907,7 @@
           <a:graphicData uri="http://schemas.openxmlformats.org/presentationml/2006/ole">
             <mc:AlternateContent xmlns:mc="http://schemas.openxmlformats.org/markup-compatibility/2006">
               <mc:Choice xmlns:v="urn:schemas-microsoft-com:vml" Requires="v">
-                <p:oleObj spid="_x0000_s3546" name="Equation" r:id="rId43" imgW="507960" imgH="253800" progId="Equation.DSMT4">
+                <p:oleObj spid="_x0000_s3574" name="Equation" r:id="rId43" imgW="507960" imgH="253800" progId="Equation.DSMT4">
                   <p:embed/>
                 </p:oleObj>
               </mc:Choice>
@@ -7027,7 +7027,7 @@
           <a:graphicData uri="http://schemas.openxmlformats.org/presentationml/2006/ole">
             <mc:AlternateContent xmlns:mc="http://schemas.openxmlformats.org/markup-compatibility/2006">
               <mc:Choice xmlns:v="urn:schemas-microsoft-com:vml" Requires="v">
-                <p:oleObj spid="_x0000_s3547" name="Equation" r:id="rId45" imgW="241200" imgH="190440" progId="Equation.DSMT4">
+                <p:oleObj spid="_x0000_s3575" name="Equation" r:id="rId45" imgW="241200" imgH="190440" progId="Equation.DSMT4">
                   <p:embed/>
                 </p:oleObj>
               </mc:Choice>
@@ -7134,7 +7134,7 @@
           <a:graphicData uri="http://schemas.openxmlformats.org/presentationml/2006/ole">
             <mc:AlternateContent xmlns:mc="http://schemas.openxmlformats.org/markup-compatibility/2006">
               <mc:Choice xmlns:v="urn:schemas-microsoft-com:vml" Requires="v">
-                <p:oleObj spid="_x0000_s3548" name="Equation" r:id="rId47" imgW="253800" imgH="241200" progId="Equation.DSMT4">
+                <p:oleObj spid="_x0000_s3576" name="Equation" r:id="rId47" imgW="253800" imgH="241200" progId="Equation.DSMT4">
                   <p:embed/>
                 </p:oleObj>
               </mc:Choice>
@@ -7254,7 +7254,7 @@
           <a:graphicData uri="http://schemas.openxmlformats.org/presentationml/2006/ole">
             <mc:AlternateContent xmlns:mc="http://schemas.openxmlformats.org/markup-compatibility/2006">
               <mc:Choice xmlns:v="urn:schemas-microsoft-com:vml" Requires="v">
-                <p:oleObj spid="_x0000_s3549" name="Equation" r:id="rId49" imgW="215640" imgH="190440" progId="Equation.DSMT4">
+                <p:oleObj spid="_x0000_s3577" name="Equation" r:id="rId49" imgW="215640" imgH="190440" progId="Equation.DSMT4">
                   <p:embed/>
                 </p:oleObj>
               </mc:Choice>
@@ -7448,25 +7448,25 @@
           <p:nvPr>
             <p:extLst>
               <p:ext uri="{D42A27DB-BD31-4B8C-83A1-F6EECF244321}">
-                <p14:modId xmlns:p14="http://schemas.microsoft.com/office/powerpoint/2010/main" val="3506621011"/>
+                <p14:modId xmlns:p14="http://schemas.microsoft.com/office/powerpoint/2010/main" val="1678280954"/>
               </p:ext>
             </p:extLst>
           </p:nvPr>
         </p:nvGraphicFramePr>
         <p:xfrm>
-          <a:off x="4824411" y="4195589"/>
-          <a:ext cx="443873" cy="151320"/>
+          <a:off x="4842995" y="4181221"/>
+          <a:ext cx="627063" cy="180975"/>
         </p:xfrm>
         <a:graphic>
           <a:graphicData uri="http://schemas.openxmlformats.org/presentationml/2006/ole">
             <mc:AlternateContent xmlns:mc="http://schemas.openxmlformats.org/markup-compatibility/2006">
               <mc:Choice xmlns:v="urn:schemas-microsoft-com:vml" Requires="v">
-                <p:oleObj spid="_x0000_s3550" name="Equation" r:id="rId51" imgW="558720" imgH="190440" progId="Equation.DSMT4">
+                <p:oleObj spid="_x0000_s3578" name="Equation" r:id="rId51" imgW="787320" imgH="228600" progId="Equation.DSMT4">
                   <p:embed/>
                 </p:oleObj>
               </mc:Choice>
               <mc:Fallback>
-                <p:oleObj name="Equation" r:id="rId51" imgW="558720" imgH="190440" progId="Equation.DSMT4">
+                <p:oleObj name="Equation" r:id="rId51" imgW="787320" imgH="228600" progId="Equation.DSMT4">
                   <p:embed/>
                   <p:pic>
                     <p:nvPicPr>
@@ -7482,8 +7482,8 @@
                     </p:blipFill>
                     <p:spPr>
                       <a:xfrm>
-                        <a:off x="4824411" y="4195589"/>
-                        <a:ext cx="443873" cy="151320"/>
+                        <a:off x="4842995" y="4181221"/>
+                        <a:ext cx="627063" cy="180975"/>
                       </a:xfrm>
                       <a:prstGeom prst="rect">
                         <a:avLst/>
@@ -7612,7 +7612,7 @@
           <a:graphicData uri="http://schemas.openxmlformats.org/presentationml/2006/ole">
             <mc:AlternateContent xmlns:mc="http://schemas.openxmlformats.org/markup-compatibility/2006">
               <mc:Choice xmlns:v="urn:schemas-microsoft-com:vml" Requires="v">
-                <p:oleObj spid="_x0000_s3551" name="Equation" r:id="rId53" imgW="203040" imgH="241200" progId="Equation.DSMT4">
+                <p:oleObj spid="_x0000_s3579" name="Equation" r:id="rId53" imgW="203040" imgH="241200" progId="Equation.DSMT4">
                   <p:embed/>
                 </p:oleObj>
               </mc:Choice>
@@ -7675,7 +7675,7 @@
           <a:graphicData uri="http://schemas.openxmlformats.org/presentationml/2006/ole">
             <mc:AlternateContent xmlns:mc="http://schemas.openxmlformats.org/markup-compatibility/2006">
               <mc:Choice xmlns:v="urn:schemas-microsoft-com:vml" Requires="v">
-                <p:oleObj spid="_x0000_s3552" name="Equation" r:id="rId55" imgW="279360" imgH="241200" progId="Equation.DSMT4">
+                <p:oleObj spid="_x0000_s3580" name="Equation" r:id="rId55" imgW="279360" imgH="241200" progId="Equation.DSMT4">
                   <p:embed/>
                 </p:oleObj>
               </mc:Choice>
@@ -7738,7 +7738,7 @@
           <a:graphicData uri="http://schemas.openxmlformats.org/presentationml/2006/ole">
             <mc:AlternateContent xmlns:mc="http://schemas.openxmlformats.org/markup-compatibility/2006">
               <mc:Choice xmlns:v="urn:schemas-microsoft-com:vml" Requires="v">
-                <p:oleObj spid="_x0000_s3553" name="Equation" r:id="rId57" imgW="279360" imgH="241200" progId="Equation.DSMT4">
+                <p:oleObj spid="_x0000_s3581" name="Equation" r:id="rId57" imgW="279360" imgH="241200" progId="Equation.DSMT4">
                   <p:embed/>
                 </p:oleObj>
               </mc:Choice>
@@ -7945,7 +7945,7 @@
           <a:graphicData uri="http://schemas.openxmlformats.org/presentationml/2006/ole">
             <mc:AlternateContent xmlns:mc="http://schemas.openxmlformats.org/markup-compatibility/2006">
               <mc:Choice xmlns:v="urn:schemas-microsoft-com:vml" Requires="v">
-                <p:oleObj spid="_x0000_s3554" name="Equation" r:id="rId59" imgW="215640" imgH="228600" progId="Equation.DSMT4">
+                <p:oleObj spid="_x0000_s3582" name="Equation" r:id="rId59" imgW="215640" imgH="228600" progId="Equation.DSMT4">
                   <p:embed/>
                 </p:oleObj>
               </mc:Choice>
@@ -8191,7 +8191,7 @@
           <a:graphicData uri="http://schemas.openxmlformats.org/presentationml/2006/ole">
             <mc:AlternateContent xmlns:mc="http://schemas.openxmlformats.org/markup-compatibility/2006">
               <mc:Choice xmlns:v="urn:schemas-microsoft-com:vml" Requires="v">
-                <p:oleObj spid="_x0000_s2584" name="Equation" r:id="rId4" imgW="228600" imgH="190440" progId="Equation.DSMT4">
+                <p:oleObj spid="_x0000_s2605" name="Equation" r:id="rId4" imgW="228600" imgH="190440" progId="Equation.DSMT4">
                   <p:embed/>
                 </p:oleObj>
               </mc:Choice>
@@ -8348,7 +8348,7 @@
           <a:graphicData uri="http://schemas.openxmlformats.org/presentationml/2006/ole">
             <mc:AlternateContent xmlns:mc="http://schemas.openxmlformats.org/markup-compatibility/2006">
               <mc:Choice xmlns:v="urn:schemas-microsoft-com:vml" Requires="v">
-                <p:oleObj spid="_x0000_s2585" name="Equation" r:id="rId6" imgW="203040" imgH="190440" progId="Equation.DSMT4">
+                <p:oleObj spid="_x0000_s2606" name="Equation" r:id="rId6" imgW="203040" imgH="190440" progId="Equation.DSMT4">
                   <p:embed/>
                 </p:oleObj>
               </mc:Choice>
@@ -8713,7 +8713,7 @@
           <a:graphicData uri="http://schemas.openxmlformats.org/presentationml/2006/ole">
             <mc:AlternateContent xmlns:mc="http://schemas.openxmlformats.org/markup-compatibility/2006">
               <mc:Choice xmlns:v="urn:schemas-microsoft-com:vml" Requires="v">
-                <p:oleObj spid="_x0000_s2586" name="Equation" r:id="rId8" imgW="444240" imgH="177480" progId="Equation.DSMT4">
+                <p:oleObj spid="_x0000_s2607" name="Equation" r:id="rId8" imgW="444240" imgH="177480" progId="Equation.DSMT4">
                   <p:embed/>
                 </p:oleObj>
               </mc:Choice>
@@ -8776,7 +8776,7 @@
           <a:graphicData uri="http://schemas.openxmlformats.org/presentationml/2006/ole">
             <mc:AlternateContent xmlns:mc="http://schemas.openxmlformats.org/markup-compatibility/2006">
               <mc:Choice xmlns:v="urn:schemas-microsoft-com:vml" Requires="v">
-                <p:oleObj spid="_x0000_s2587" name="Equation" r:id="rId10" imgW="596880" imgH="203040" progId="Equation.DSMT4">
+                <p:oleObj spid="_x0000_s2608" name="Equation" r:id="rId10" imgW="596880" imgH="203040" progId="Equation.DSMT4">
                   <p:embed/>
                 </p:oleObj>
               </mc:Choice>
@@ -8839,7 +8839,7 @@
           <a:graphicData uri="http://schemas.openxmlformats.org/presentationml/2006/ole">
             <mc:AlternateContent xmlns:mc="http://schemas.openxmlformats.org/markup-compatibility/2006">
               <mc:Choice xmlns:v="urn:schemas-microsoft-com:vml" Requires="v">
-                <p:oleObj spid="_x0000_s2588" name="Equation" r:id="rId12" imgW="876123" imgH="144654" progId="Equation.DSMT4">
+                <p:oleObj spid="_x0000_s2609" name="Equation" r:id="rId12" imgW="876123" imgH="144654" progId="Equation.DSMT4">
                   <p:embed/>
                 </p:oleObj>
               </mc:Choice>
@@ -8902,7 +8902,7 @@
           <a:graphicData uri="http://schemas.openxmlformats.org/presentationml/2006/ole">
             <mc:AlternateContent xmlns:mc="http://schemas.openxmlformats.org/markup-compatibility/2006">
               <mc:Choice xmlns:v="urn:schemas-microsoft-com:vml" Requires="v">
-                <p:oleObj spid="_x0000_s2589" name="Equation" r:id="rId14" imgW="368280" imgH="253800" progId="Equation.DSMT4">
+                <p:oleObj spid="_x0000_s2610" name="Equation" r:id="rId14" imgW="368280" imgH="253800" progId="Equation.DSMT4">
                   <p:embed/>
                 </p:oleObj>
               </mc:Choice>
@@ -8971,7 +8971,7 @@
           <a:graphicData uri="http://schemas.openxmlformats.org/presentationml/2006/ole">
             <mc:AlternateContent xmlns:mc="http://schemas.openxmlformats.org/markup-compatibility/2006">
               <mc:Choice xmlns:v="urn:schemas-microsoft-com:vml" Requires="v">
-                <p:oleObj spid="_x0000_s2590" name="Equation" r:id="rId16" imgW="304560" imgH="253800" progId="Equation.DSMT4">
+                <p:oleObj spid="_x0000_s2611" name="Equation" r:id="rId16" imgW="304560" imgH="253800" progId="Equation.DSMT4">
                   <p:embed/>
                 </p:oleObj>
               </mc:Choice>
@@ -9034,7 +9034,7 @@
           <a:graphicData uri="http://schemas.openxmlformats.org/presentationml/2006/ole">
             <mc:AlternateContent xmlns:mc="http://schemas.openxmlformats.org/markup-compatibility/2006">
               <mc:Choice xmlns:v="urn:schemas-microsoft-com:vml" Requires="v">
-                <p:oleObj spid="_x0000_s2591" name="Equation" r:id="rId18" imgW="291960" imgH="253800" progId="Equation.DSMT4">
+                <p:oleObj spid="_x0000_s2612" name="Equation" r:id="rId18" imgW="291960" imgH="253800" progId="Equation.DSMT4">
                   <p:embed/>
                 </p:oleObj>
               </mc:Choice>
@@ -9097,7 +9097,7 @@
           <a:graphicData uri="http://schemas.openxmlformats.org/presentationml/2006/ole">
             <mc:AlternateContent xmlns:mc="http://schemas.openxmlformats.org/markup-compatibility/2006">
               <mc:Choice xmlns:v="urn:schemas-microsoft-com:vml" Requires="v">
-                <p:oleObj spid="_x0000_s2592" name="Equation" r:id="rId20" imgW="888840" imgH="203040" progId="Equation.DSMT4">
+                <p:oleObj spid="_x0000_s2613" name="Equation" r:id="rId20" imgW="888840" imgH="203040" progId="Equation.DSMT4">
                   <p:embed/>
                 </p:oleObj>
               </mc:Choice>
@@ -9210,7 +9210,7 @@
           <a:graphicData uri="http://schemas.openxmlformats.org/presentationml/2006/ole">
             <mc:AlternateContent xmlns:mc="http://schemas.openxmlformats.org/markup-compatibility/2006">
               <mc:Choice xmlns:v="urn:schemas-microsoft-com:vml" Requires="v">
-                <p:oleObj spid="_x0000_s2593" name="Equation" r:id="rId22" imgW="266400" imgH="241200" progId="Equation.DSMT4">
+                <p:oleObj spid="_x0000_s2614" name="Equation" r:id="rId22" imgW="266400" imgH="241200" progId="Equation.DSMT4">
                   <p:embed/>
                 </p:oleObj>
               </mc:Choice>
@@ -9273,7 +9273,7 @@
           <a:graphicData uri="http://schemas.openxmlformats.org/presentationml/2006/ole">
             <mc:AlternateContent xmlns:mc="http://schemas.openxmlformats.org/markup-compatibility/2006">
               <mc:Choice xmlns:v="urn:schemas-microsoft-com:vml" Requires="v">
-                <p:oleObj spid="_x0000_s2594" name="Equation" r:id="rId24" imgW="203040" imgH="241200" progId="Equation.DSMT4">
+                <p:oleObj spid="_x0000_s2615" name="Equation" r:id="rId24" imgW="203040" imgH="241200" progId="Equation.DSMT4">
                   <p:embed/>
                 </p:oleObj>
               </mc:Choice>
@@ -9399,7 +9399,7 @@
           <a:graphicData uri="http://schemas.openxmlformats.org/presentationml/2006/ole">
             <mc:AlternateContent xmlns:mc="http://schemas.openxmlformats.org/markup-compatibility/2006">
               <mc:Choice xmlns:v="urn:schemas-microsoft-com:vml" Requires="v">
-                <p:oleObj spid="_x0000_s2595" name="Equation" r:id="rId26" imgW="203040" imgH="203040" progId="Equation.DSMT4">
+                <p:oleObj spid="_x0000_s2616" name="Equation" r:id="rId26" imgW="203040" imgH="203040" progId="Equation.DSMT4">
                   <p:embed/>
                 </p:oleObj>
               </mc:Choice>
@@ -9504,7 +9504,7 @@
           <a:graphicData uri="http://schemas.openxmlformats.org/presentationml/2006/ole">
             <mc:AlternateContent xmlns:mc="http://schemas.openxmlformats.org/markup-compatibility/2006">
               <mc:Choice xmlns:v="urn:schemas-microsoft-com:vml" Requires="v">
-                <p:oleObj spid="_x0000_s2596" name="Equation" r:id="rId28" imgW="215640" imgH="241200" progId="Equation.DSMT4">
+                <p:oleObj spid="_x0000_s2617" name="Equation" r:id="rId28" imgW="215640" imgH="241200" progId="Equation.DSMT4">
                   <p:embed/>
                 </p:oleObj>
               </mc:Choice>
@@ -9573,7 +9573,7 @@
           <a:graphicData uri="http://schemas.openxmlformats.org/presentationml/2006/ole">
             <mc:AlternateContent xmlns:mc="http://schemas.openxmlformats.org/markup-compatibility/2006">
               <mc:Choice xmlns:v="urn:schemas-microsoft-com:vml" Requires="v">
-                <p:oleObj spid="_x0000_s2597" name="Equation" r:id="rId30" imgW="291960" imgH="241200" progId="Equation.DSMT4">
+                <p:oleObj spid="_x0000_s2618" name="Equation" r:id="rId30" imgW="291960" imgH="241200" progId="Equation.DSMT4">
                   <p:embed/>
                 </p:oleObj>
               </mc:Choice>
@@ -9759,7 +9759,7 @@
           <a:graphicData uri="http://schemas.openxmlformats.org/presentationml/2006/ole">
             <mc:AlternateContent xmlns:mc="http://schemas.openxmlformats.org/markup-compatibility/2006">
               <mc:Choice xmlns:v="urn:schemas-microsoft-com:vml" Requires="v">
-                <p:oleObj spid="_x0000_s2598" name="Equation" r:id="rId32" imgW="203040" imgH="228600" progId="Equation.DSMT4">
+                <p:oleObj spid="_x0000_s2619" name="Equation" r:id="rId32" imgW="203040" imgH="228600" progId="Equation.DSMT4">
                   <p:embed/>
                 </p:oleObj>
               </mc:Choice>
@@ -9822,7 +9822,7 @@
           <a:graphicData uri="http://schemas.openxmlformats.org/presentationml/2006/ole">
             <mc:AlternateContent xmlns:mc="http://schemas.openxmlformats.org/markup-compatibility/2006">
               <mc:Choice xmlns:v="urn:schemas-microsoft-com:vml" Requires="v">
-                <p:oleObj spid="_x0000_s2599" name="Equation" r:id="rId34" imgW="215640" imgH="203040" progId="Equation.DSMT4">
+                <p:oleObj spid="_x0000_s2620" name="Equation" r:id="rId34" imgW="215640" imgH="203040" progId="Equation.DSMT4">
                   <p:embed/>
                 </p:oleObj>
               </mc:Choice>
@@ -10059,7 +10059,7 @@
           <a:graphicData uri="http://schemas.openxmlformats.org/presentationml/2006/ole">
             <mc:AlternateContent xmlns:mc="http://schemas.openxmlformats.org/markup-compatibility/2006">
               <mc:Choice xmlns:v="urn:schemas-microsoft-com:vml" Requires="v">
-                <p:oleObj spid="_x0000_s2600" name="Equation" r:id="rId36" imgW="291960" imgH="241200" progId="Equation.DSMT4">
+                <p:oleObj spid="_x0000_s2621" name="Equation" r:id="rId36" imgW="291960" imgH="241200" progId="Equation.DSMT4">
                   <p:embed/>
                 </p:oleObj>
               </mc:Choice>
@@ -10166,7 +10166,7 @@
           <a:graphicData uri="http://schemas.openxmlformats.org/presentationml/2006/ole">
             <mc:AlternateContent xmlns:mc="http://schemas.openxmlformats.org/markup-compatibility/2006">
               <mc:Choice xmlns:v="urn:schemas-microsoft-com:vml" Requires="v">
-                <p:oleObj spid="_x0000_s2601" name="Equation" r:id="rId38" imgW="266400" imgH="241200" progId="Equation.DSMT4">
+                <p:oleObj spid="_x0000_s2622" name="Equation" r:id="rId38" imgW="266400" imgH="241200" progId="Equation.DSMT4">
                   <p:embed/>
                 </p:oleObj>
               </mc:Choice>
@@ -10235,7 +10235,7 @@
           <a:graphicData uri="http://schemas.openxmlformats.org/presentationml/2006/ole">
             <mc:AlternateContent xmlns:mc="http://schemas.openxmlformats.org/markup-compatibility/2006">
               <mc:Choice xmlns:v="urn:schemas-microsoft-com:vml" Requires="v">
-                <p:oleObj spid="_x0000_s2602" name="Equation" r:id="rId40" imgW="253800" imgH="241200" progId="Equation.DSMT4">
+                <p:oleObj spid="_x0000_s2623" name="Equation" r:id="rId40" imgW="253800" imgH="241200" progId="Equation.DSMT4">
                   <p:embed/>
                 </p:oleObj>
               </mc:Choice>
@@ -10340,7 +10340,7 @@
           <a:graphicData uri="http://schemas.openxmlformats.org/presentationml/2006/ole">
             <mc:AlternateContent xmlns:mc="http://schemas.openxmlformats.org/markup-compatibility/2006">
               <mc:Choice xmlns:v="urn:schemas-microsoft-com:vml" Requires="v">
-                <p:oleObj spid="_x0000_s2603" name="Equation" r:id="rId42" imgW="215640" imgH="253800" progId="Equation.DSMT4">
+                <p:oleObj spid="_x0000_s2624" name="Equation" r:id="rId42" imgW="215640" imgH="253800" progId="Equation.DSMT4">
                   <p:embed/>
                 </p:oleObj>
               </mc:Choice>
@@ -10454,7 +10454,7 @@
           <a:graphicData uri="http://schemas.openxmlformats.org/presentationml/2006/ole">
             <mc:AlternateContent xmlns:mc="http://schemas.openxmlformats.org/markup-compatibility/2006">
               <mc:Choice xmlns:v="urn:schemas-microsoft-com:vml" Requires="v">
-                <p:oleObj spid="_x0000_s2604" name="Equation" r:id="rId44" imgW="304560" imgH="241200" progId="Equation.DSMT4">
+                <p:oleObj spid="_x0000_s2625" name="Equation" r:id="rId44" imgW="304560" imgH="241200" progId="Equation.DSMT4">
                   <p:embed/>
                 </p:oleObj>
               </mc:Choice>
